--- a/powerpoint fyp/Powerpoint FYP.pptx
+++ b/powerpoint fyp/Powerpoint FYP.pptx
@@ -110,6 +110,11 @@
       </a:defRPr>
     </a:lvl9pPr>
   </p:defaultTextStyle>
+  <p:extLst>
+    <p:ext uri="{EFAFB233-063F-42B5-8137-9DF3F51BA10A}">
+      <p15:sldGuideLst xmlns:p15="http://schemas.microsoft.com/office/powerpoint/2012/main"/>
+    </p:ext>
+  </p:extLst>
 </p:presentation>
 </file>
 
@@ -244,7 +249,7 @@
           <a:p>
             <a:fld id="{FCF8291A-5CC4-4D6F-9C4E-C229BB2EBE44}" type="datetimeFigureOut">
               <a:rPr lang="en-MY" smtClean="0"/>
-              <a:t>9/9/2020</a:t>
+              <a:t>13/9/2020</a:t>
             </a:fld>
             <a:endParaRPr lang="en-MY"/>
           </a:p>
@@ -414,7 +419,7 @@
           <a:p>
             <a:fld id="{FCF8291A-5CC4-4D6F-9C4E-C229BB2EBE44}" type="datetimeFigureOut">
               <a:rPr lang="en-MY" smtClean="0"/>
-              <a:t>9/9/2020</a:t>
+              <a:t>13/9/2020</a:t>
             </a:fld>
             <a:endParaRPr lang="en-MY"/>
           </a:p>
@@ -594,7 +599,7 @@
           <a:p>
             <a:fld id="{FCF8291A-5CC4-4D6F-9C4E-C229BB2EBE44}" type="datetimeFigureOut">
               <a:rPr lang="en-MY" smtClean="0"/>
-              <a:t>9/9/2020</a:t>
+              <a:t>13/9/2020</a:t>
             </a:fld>
             <a:endParaRPr lang="en-MY"/>
           </a:p>
@@ -764,7 +769,7 @@
           <a:p>
             <a:fld id="{FCF8291A-5CC4-4D6F-9C4E-C229BB2EBE44}" type="datetimeFigureOut">
               <a:rPr lang="en-MY" smtClean="0"/>
-              <a:t>9/9/2020</a:t>
+              <a:t>13/9/2020</a:t>
             </a:fld>
             <a:endParaRPr lang="en-MY"/>
           </a:p>
@@ -1010,7 +1015,7 @@
           <a:p>
             <a:fld id="{FCF8291A-5CC4-4D6F-9C4E-C229BB2EBE44}" type="datetimeFigureOut">
               <a:rPr lang="en-MY" smtClean="0"/>
-              <a:t>9/9/2020</a:t>
+              <a:t>13/9/2020</a:t>
             </a:fld>
             <a:endParaRPr lang="en-MY"/>
           </a:p>
@@ -1242,7 +1247,7 @@
           <a:p>
             <a:fld id="{FCF8291A-5CC4-4D6F-9C4E-C229BB2EBE44}" type="datetimeFigureOut">
               <a:rPr lang="en-MY" smtClean="0"/>
-              <a:t>9/9/2020</a:t>
+              <a:t>13/9/2020</a:t>
             </a:fld>
             <a:endParaRPr lang="en-MY"/>
           </a:p>
@@ -1609,7 +1614,7 @@
           <a:p>
             <a:fld id="{FCF8291A-5CC4-4D6F-9C4E-C229BB2EBE44}" type="datetimeFigureOut">
               <a:rPr lang="en-MY" smtClean="0"/>
-              <a:t>9/9/2020</a:t>
+              <a:t>13/9/2020</a:t>
             </a:fld>
             <a:endParaRPr lang="en-MY"/>
           </a:p>
@@ -1727,7 +1732,7 @@
           <a:p>
             <a:fld id="{FCF8291A-5CC4-4D6F-9C4E-C229BB2EBE44}" type="datetimeFigureOut">
               <a:rPr lang="en-MY" smtClean="0"/>
-              <a:t>9/9/2020</a:t>
+              <a:t>13/9/2020</a:t>
             </a:fld>
             <a:endParaRPr lang="en-MY"/>
           </a:p>
@@ -1822,7 +1827,7 @@
           <a:p>
             <a:fld id="{FCF8291A-5CC4-4D6F-9C4E-C229BB2EBE44}" type="datetimeFigureOut">
               <a:rPr lang="en-MY" smtClean="0"/>
-              <a:t>9/9/2020</a:t>
+              <a:t>13/9/2020</a:t>
             </a:fld>
             <a:endParaRPr lang="en-MY"/>
           </a:p>
@@ -2099,7 +2104,7 @@
           <a:p>
             <a:fld id="{FCF8291A-5CC4-4D6F-9C4E-C229BB2EBE44}" type="datetimeFigureOut">
               <a:rPr lang="en-MY" smtClean="0"/>
-              <a:t>9/9/2020</a:t>
+              <a:t>13/9/2020</a:t>
             </a:fld>
             <a:endParaRPr lang="en-MY"/>
           </a:p>
@@ -2352,7 +2357,7 @@
           <a:p>
             <a:fld id="{FCF8291A-5CC4-4D6F-9C4E-C229BB2EBE44}" type="datetimeFigureOut">
               <a:rPr lang="en-MY" smtClean="0"/>
-              <a:t>9/9/2020</a:t>
+              <a:t>13/9/2020</a:t>
             </a:fld>
             <a:endParaRPr lang="en-MY"/>
           </a:p>
@@ -2565,7 +2570,7 @@
           <a:p>
             <a:fld id="{FCF8291A-5CC4-4D6F-9C4E-C229BB2EBE44}" type="datetimeFigureOut">
               <a:rPr lang="en-MY" smtClean="0"/>
-              <a:t>9/9/2020</a:t>
+              <a:t>13/9/2020</a:t>
             </a:fld>
             <a:endParaRPr lang="en-MY"/>
           </a:p>
@@ -3048,6 +3053,14 @@
   <p:clrMapOvr>
     <a:masterClrMapping/>
   </p:clrMapOvr>
+  <mc:AlternateContent xmlns:mc="http://schemas.openxmlformats.org/markup-compatibility/2006">
+    <mc:Choice xmlns:p14="http://schemas.microsoft.com/office/powerpoint/2010/main" Requires="p14">
+      <p:transition spd="slow" p14:dur="2000" advClick="0"/>
+    </mc:Choice>
+    <mc:Fallback>
+      <p:transition spd="slow" advClick="0"/>
+    </mc:Fallback>
+  </mc:AlternateContent>
   <p:timing>
     <p:tnLst>
       <p:par>
@@ -3376,6 +3389,14 @@
   <p:clrMapOvr>
     <a:masterClrMapping/>
   </p:clrMapOvr>
+  <mc:AlternateContent xmlns:mc="http://schemas.openxmlformats.org/markup-compatibility/2006">
+    <mc:Choice xmlns:p14="http://schemas.microsoft.com/office/powerpoint/2010/main" Requires="p14">
+      <p:transition spd="slow" p14:dur="2000" advClick="0"/>
+    </mc:Choice>
+    <mc:Fallback>
+      <p:transition spd="slow" advClick="0"/>
+    </mc:Fallback>
+  </mc:AlternateContent>
   <p:timing>
     <p:tnLst>
       <p:par>
@@ -3437,6 +3458,14 @@
   <p:clrMapOvr>
     <a:masterClrMapping/>
   </p:clrMapOvr>
+  <mc:AlternateContent xmlns:mc="http://schemas.openxmlformats.org/markup-compatibility/2006">
+    <mc:Choice xmlns:p14="http://schemas.microsoft.com/office/powerpoint/2010/main" Requires="p14">
+      <p:transition spd="slow" p14:dur="2000" advClick="0"/>
+    </mc:Choice>
+    <mc:Fallback>
+      <p:transition spd="slow" advClick="0"/>
+    </mc:Fallback>
+  </mc:AlternateContent>
   <p:timing>
     <p:tnLst>
       <p:par>
@@ -3498,6 +3527,14 @@
   <p:clrMapOvr>
     <a:masterClrMapping/>
   </p:clrMapOvr>
+  <mc:AlternateContent xmlns:mc="http://schemas.openxmlformats.org/markup-compatibility/2006">
+    <mc:Choice xmlns:p14="http://schemas.microsoft.com/office/powerpoint/2010/main" Requires="p14">
+      <p:transition spd="slow" p14:dur="2000" advClick="0"/>
+    </mc:Choice>
+    <mc:Fallback>
+      <p:transition spd="slow" advClick="0"/>
+    </mc:Fallback>
+  </mc:AlternateContent>
   <p:timing>
     <p:tnLst>
       <p:par>
@@ -3559,6 +3596,14 @@
   <p:clrMapOvr>
     <a:masterClrMapping/>
   </p:clrMapOvr>
+  <mc:AlternateContent xmlns:mc="http://schemas.openxmlformats.org/markup-compatibility/2006">
+    <mc:Choice xmlns:p14="http://schemas.microsoft.com/office/powerpoint/2010/main" Requires="p14">
+      <p:transition spd="slow" p14:dur="2000" advClick="0"/>
+    </mc:Choice>
+    <mc:Fallback>
+      <p:transition spd="slow" advClick="0"/>
+    </mc:Fallback>
+  </mc:AlternateContent>
   <p:timing>
     <p:tnLst>
       <p:par>
@@ -3620,6 +3665,14 @@
   <p:clrMapOvr>
     <a:masterClrMapping/>
   </p:clrMapOvr>
+  <mc:AlternateContent xmlns:mc="http://schemas.openxmlformats.org/markup-compatibility/2006">
+    <mc:Choice xmlns:p14="http://schemas.microsoft.com/office/powerpoint/2010/main" Requires="p14">
+      <p:transition spd="slow" p14:dur="2000" advClick="0"/>
+    </mc:Choice>
+    <mc:Fallback>
+      <p:transition spd="slow" advClick="0"/>
+    </mc:Fallback>
+  </mc:AlternateContent>
   <p:timing>
     <p:tnLst>
       <p:par>
@@ -3681,6 +3734,14 @@
   <p:clrMapOvr>
     <a:masterClrMapping/>
   </p:clrMapOvr>
+  <mc:AlternateContent xmlns:mc="http://schemas.openxmlformats.org/markup-compatibility/2006">
+    <mc:Choice xmlns:p14="http://schemas.microsoft.com/office/powerpoint/2010/main" Requires="p14">
+      <p:transition spd="slow" p14:dur="2000" advClick="0"/>
+    </mc:Choice>
+    <mc:Fallback>
+      <p:transition spd="slow" advClick="0"/>
+    </mc:Fallback>
+  </mc:AlternateContent>
   <p:timing>
     <p:tnLst>
       <p:par>
